--- a/courses/C2_ Build Your Model/Command Line and git.pptx
+++ b/courses/C2_ Build Your Model/Command Line and git.pptx
@@ -119,6 +119,11 @@
       </a:defRPr>
     </a:lvl9pPr>
   </p:defaultTextStyle>
+  <p:extLst>
+    <p:ext uri="{EFAFB233-063F-42B5-8137-9DF3F51BA10A}">
+      <p15:sldGuideLst xmlns:p15="http://schemas.microsoft.com/office/powerpoint/2012/main"/>
+    </p:ext>
+  </p:extLst>
 </p:presentation>
 </file>
 
@@ -204,7 +209,7 @@
           <a:p>
             <a:fld id="{0473BD5D-45E3-4091-8614-E5F9905E199A}" type="datetimeFigureOut">
               <a:rPr lang="en-US" smtClean="0"/>
-              <a:t>5/6/2021</a:t>
+              <a:t>5/11/2021</a:t>
             </a:fld>
             <a:endParaRPr lang="en-US"/>
           </a:p>
@@ -546,7 +551,7 @@
           <a:ln/>
           <a:extLst>
             <a:ext uri="{AF507438-7753-43e0-B8FC-AC1667EBCBE1}">
-              <a14:hiddenEffects xmlns="" xmlns:a14="http://schemas.microsoft.com/office/drawing/2010/main">
+              <a14:hiddenEffects xmlns:a14="http://schemas.microsoft.com/office/drawing/2010/main" xmlns="">
                 <a:effectLst>
                   <a:outerShdw blurRad="63500" dist="38099" dir="2700000" algn="ctr" rotWithShape="0">
                     <a:srgbClr val="000000">
@@ -577,7 +582,7 @@
           <a:ln/>
           <a:extLst>
             <a:ext uri="{AF507438-7753-43e0-B8FC-AC1667EBCBE1}">
-              <a14:hiddenEffects xmlns="" xmlns:a14="http://schemas.microsoft.com/office/drawing/2010/main">
+              <a14:hiddenEffects xmlns:a14="http://schemas.microsoft.com/office/drawing/2010/main" xmlns="">
                 <a:effectLst>
                   <a:outerShdw blurRad="63500" dist="38099" dir="2700000" algn="ctr" rotWithShape="0">
                     <a:srgbClr val="000000">
@@ -762,7 +767,7 @@
           <a:p>
             <a:fld id="{02A0FBA4-12E1-48B2-B785-6802D838B11E}" type="datetimeFigureOut">
               <a:rPr lang="en-US" smtClean="0"/>
-              <a:t>5/6/2021</a:t>
+              <a:t>5/11/2021</a:t>
             </a:fld>
             <a:endParaRPr lang="en-US"/>
           </a:p>
@@ -960,7 +965,7 @@
           <a:p>
             <a:fld id="{02A0FBA4-12E1-48B2-B785-6802D838B11E}" type="datetimeFigureOut">
               <a:rPr lang="en-US" smtClean="0"/>
-              <a:t>5/6/2021</a:t>
+              <a:t>5/11/2021</a:t>
             </a:fld>
             <a:endParaRPr lang="en-US"/>
           </a:p>
@@ -1168,7 +1173,7 @@
           <a:p>
             <a:fld id="{02A0FBA4-12E1-48B2-B785-6802D838B11E}" type="datetimeFigureOut">
               <a:rPr lang="en-US" smtClean="0"/>
-              <a:t>5/6/2021</a:t>
+              <a:t>5/11/2021</a:t>
             </a:fld>
             <a:endParaRPr lang="en-US"/>
           </a:p>
@@ -1366,7 +1371,7 @@
           <a:p>
             <a:fld id="{02A0FBA4-12E1-48B2-B785-6802D838B11E}" type="datetimeFigureOut">
               <a:rPr lang="en-US" smtClean="0"/>
-              <a:t>5/6/2021</a:t>
+              <a:t>5/11/2021</a:t>
             </a:fld>
             <a:endParaRPr lang="en-US"/>
           </a:p>
@@ -1641,7 +1646,7 @@
           <a:p>
             <a:fld id="{02A0FBA4-12E1-48B2-B785-6802D838B11E}" type="datetimeFigureOut">
               <a:rPr lang="en-US" smtClean="0"/>
-              <a:t>5/6/2021</a:t>
+              <a:t>5/11/2021</a:t>
             </a:fld>
             <a:endParaRPr lang="en-US"/>
           </a:p>
@@ -1906,7 +1911,7 @@
           <a:p>
             <a:fld id="{02A0FBA4-12E1-48B2-B785-6802D838B11E}" type="datetimeFigureOut">
               <a:rPr lang="en-US" smtClean="0"/>
-              <a:t>5/6/2021</a:t>
+              <a:t>5/11/2021</a:t>
             </a:fld>
             <a:endParaRPr lang="en-US"/>
           </a:p>
@@ -2318,7 +2323,7 @@
           <a:p>
             <a:fld id="{02A0FBA4-12E1-48B2-B785-6802D838B11E}" type="datetimeFigureOut">
               <a:rPr lang="en-US" smtClean="0"/>
-              <a:t>5/6/2021</a:t>
+              <a:t>5/11/2021</a:t>
             </a:fld>
             <a:endParaRPr lang="en-US"/>
           </a:p>
@@ -2459,7 +2464,7 @@
           <a:p>
             <a:fld id="{02A0FBA4-12E1-48B2-B785-6802D838B11E}" type="datetimeFigureOut">
               <a:rPr lang="en-US" smtClean="0"/>
-              <a:t>5/6/2021</a:t>
+              <a:t>5/11/2021</a:t>
             </a:fld>
             <a:endParaRPr lang="en-US"/>
           </a:p>
@@ -2572,7 +2577,7 @@
           <a:p>
             <a:fld id="{02A0FBA4-12E1-48B2-B785-6802D838B11E}" type="datetimeFigureOut">
               <a:rPr lang="en-US" smtClean="0"/>
-              <a:t>5/6/2021</a:t>
+              <a:t>5/11/2021</a:t>
             </a:fld>
             <a:endParaRPr lang="en-US"/>
           </a:p>
@@ -2883,7 +2888,7 @@
           <a:p>
             <a:fld id="{02A0FBA4-12E1-48B2-B785-6802D838B11E}" type="datetimeFigureOut">
               <a:rPr lang="en-US" smtClean="0"/>
-              <a:t>5/6/2021</a:t>
+              <a:t>5/11/2021</a:t>
             </a:fld>
             <a:endParaRPr lang="en-US"/>
           </a:p>
@@ -3171,7 +3176,7 @@
           <a:p>
             <a:fld id="{02A0FBA4-12E1-48B2-B785-6802D838B11E}" type="datetimeFigureOut">
               <a:rPr lang="en-US" smtClean="0"/>
-              <a:t>5/6/2021</a:t>
+              <a:t>5/11/2021</a:t>
             </a:fld>
             <a:endParaRPr lang="en-US"/>
           </a:p>
@@ -3412,7 +3417,7 @@
           <a:p>
             <a:fld id="{02A0FBA4-12E1-48B2-B785-6802D838B11E}" type="datetimeFigureOut">
               <a:rPr lang="en-US" smtClean="0"/>
-              <a:t>5/6/2021</a:t>
+              <a:t>5/11/2021</a:t>
             </a:fld>
             <a:endParaRPr lang="en-US"/>
           </a:p>
@@ -3944,13 +3949,8 @@
           <a:p>
             <a:r>
               <a:rPr lang="en-US" dirty="0"/>
-              <a:t>Edit the README with a </a:t>
-            </a:r>
-            <a:r>
-              <a:rPr lang="en-US"/>
-              <a:t>longer description</a:t>
-            </a:r>
-            <a:endParaRPr lang="en-US" dirty="0"/>
+              <a:t>Edit the README with a longer description</a:t>
+            </a:r>
           </a:p>
           <a:p>
             <a:r>
@@ -4251,6 +4251,27 @@
               <a:t>git pull</a:t>
             </a:r>
           </a:p>
+          <a:p>
+            <a:r>
+              <a:rPr lang="en-US" dirty="0" err="1"/>
+              <a:t>sudo</a:t>
+            </a:r>
+            <a:r>
+              <a:rPr lang="en-US" dirty="0"/>
+              <a:t> vi &lt;filename&gt;</a:t>
+            </a:r>
+          </a:p>
+          <a:p>
+            <a:r>
+              <a:rPr lang="en-US" dirty="0"/>
+              <a:t>To write and quit in vim :</a:t>
+            </a:r>
+            <a:r>
+              <a:rPr lang="en-US" dirty="0" err="1"/>
+              <a:t>wq</a:t>
+            </a:r>
+            <a:endParaRPr lang="en-US" dirty="0"/>
+          </a:p>
         </p:txBody>
       </p:sp>
     </p:spTree>
@@ -4933,7 +4954,7 @@
             </a:r>
             <a:r>
               <a:rPr lang="en-US" dirty="0"/>
-              <a:t> (app store)</a:t>
+              <a:t> (app store, Ubuntu 20.04)</a:t>
             </a:r>
           </a:p>
           <a:p>
